--- a/apunte/SSO_MD_Unidad2_parte2.pptx
+++ b/apunte/SSO_MD_Unidad2_parte2.pptx
@@ -305,7 +305,7 @@
       </p15:notesGuideLst>
     </p:ext>
     <p:ext uri="GoogleSlidesCustomDataVersion2">
-      <go:slidesCustomData xmlns:go="http://customooxmlschemas.google.com/" xmlns:ahyp="http://schemas.microsoft.com/office/drawing/2018/hyperlinkcolor" xmlns:p15="http://schemas.microsoft.com/office/powerpoint/2012/main" xmlns:p14="http://schemas.microsoft.com/office/powerpoint/2010/main" xmlns:com="http://schemas.openxmlformats.org/drawingml/2006/compatibility" xmlns:pvml="urn:schemas-microsoft-com:office:powerpoint" xmlns:v="urn:schemas-microsoft-com:vml" xmlns:o="urn:schemas-microsoft-com:office:office" xmlns:dgm="http://schemas.openxmlformats.org/drawingml/2006/diagram" xmlns:c="http://schemas.openxmlformats.org/drawingml/2006/chart" xmlns:mv="urn:schemas-microsoft-com:mac:vml" xmlns:mc="http://schemas.openxmlformats.org/markup-compatibility/2006" xmlns="" r:id="rId30" roundtripDataSignature="AMtx7mg9wk61cvh3+ckysIHMt4UIen3RSg=="/>
+      <go:slidesCustomData xmlns="" xmlns:mc="http://schemas.openxmlformats.org/markup-compatibility/2006" xmlns:mv="urn:schemas-microsoft-com:mac:vml" xmlns:c="http://schemas.openxmlformats.org/drawingml/2006/chart" xmlns:dgm="http://schemas.openxmlformats.org/drawingml/2006/diagram" xmlns:o="urn:schemas-microsoft-com:office:office" xmlns:v="urn:schemas-microsoft-com:vml" xmlns:pvml="urn:schemas-microsoft-com:office:powerpoint" xmlns:com="http://schemas.openxmlformats.org/drawingml/2006/compatibility" xmlns:p14="http://schemas.microsoft.com/office/powerpoint/2010/main" xmlns:p15="http://schemas.microsoft.com/office/powerpoint/2012/main" xmlns:ahyp="http://schemas.microsoft.com/office/drawing/2018/hyperlinkcolor" xmlns:go="http://customooxmlschemas.google.com/" r:id="rId30" roundtripDataSignature="AMtx7mg9wk61cvh3+ckysIHMt4UIen3RSg=="/>
     </p:ext>
   </p:extLst>
 </p:presentation>
@@ -2860,7 +2860,7 @@
         <p:spPr>
           <a:xfrm>
             <a:off x="1106488" y="812800"/>
-            <a:ext cx="5343600" cy="4006800"/>
+            <a:ext cx="5343525" cy="4006850"/>
           </a:xfrm>
           <a:custGeom>
             <a:avLst/>
@@ -19278,7 +19278,7 @@
 </file>
 
 <file path=ppt/slides/slide19.xml><?xml version="1.0" encoding="utf-8"?>
-<p:sld xmlns:a="http://schemas.openxmlformats.org/drawingml/2006/main" xmlns:r="http://schemas.openxmlformats.org/officeDocument/2006/relationships" xmlns:p="http://schemas.openxmlformats.org/presentationml/2006/main">
+<p:sld xmlns:a="http://schemas.openxmlformats.org/drawingml/2006/main" xmlns:r="http://schemas.openxmlformats.org/officeDocument/2006/relationships" xmlns:p="http://schemas.openxmlformats.org/presentationml/2006/main" show="0">
   <p:cSld>
     <p:spTree>
       <p:nvGrpSpPr>
